--- a/Submission/ME18B074_Mid_Term_Review_ppt.pptx
+++ b/Submission/ME18B074_Mid_Term_Review_ppt.pptx
@@ -22,7 +22,8 @@
     <p:sldId id="261" r:id="rId16"/>
     <p:sldId id="262" r:id="rId17"/>
     <p:sldId id="271" r:id="rId18"/>
-    <p:sldId id="272" r:id="rId19"/>
+    <p:sldId id="278" r:id="rId19"/>
+    <p:sldId id="272" r:id="rId20"/>
   </p:sldIdLst>
   <p:sldSz cx="9144000" cy="6858000" type="screen4x3"/>
   <p:notesSz cx="6858000" cy="9144000"/>
@@ -750,7 +751,7 @@
             <a:fld id="{4C505C6D-B604-4DBD-8A01-29BB8EAD2EC3}" type="datetimeFigureOut">
               <a:rPr lang="en-US" smtClean="0"/>
               <a:pPr/>
-              <a:t>1/18/2023</a:t>
+              <a:t>5/16/2023</a:t>
             </a:fld>
             <a:endParaRPr lang="en-US"/>
           </a:p>
@@ -948,7 +949,7 @@
             <a:fld id="{4C505C6D-B604-4DBD-8A01-29BB8EAD2EC3}" type="datetimeFigureOut">
               <a:rPr lang="en-US" smtClean="0"/>
               <a:pPr/>
-              <a:t>1/18/2023</a:t>
+              <a:t>5/16/2023</a:t>
             </a:fld>
             <a:endParaRPr lang="en-US"/>
           </a:p>
@@ -1135,7 +1136,7 @@
             <a:fld id="{4C505C6D-B604-4DBD-8A01-29BB8EAD2EC3}" type="datetimeFigureOut">
               <a:rPr lang="en-US" smtClean="0"/>
               <a:pPr/>
-              <a:t>1/18/2023</a:t>
+              <a:t>5/16/2023</a:t>
             </a:fld>
             <a:endParaRPr lang="en-US"/>
           </a:p>
@@ -1287,7 +1288,7 @@
             <a:fld id="{4C505C6D-B604-4DBD-8A01-29BB8EAD2EC3}" type="datetimeFigureOut">
               <a:rPr lang="en-US" smtClean="0"/>
               <a:pPr/>
-              <a:t>1/18/2023</a:t>
+              <a:t>5/16/2023</a:t>
             </a:fld>
             <a:endParaRPr lang="en-US"/>
           </a:p>
@@ -1544,7 +1545,7 @@
             <a:fld id="{4C505C6D-B604-4DBD-8A01-29BB8EAD2EC3}" type="datetimeFigureOut">
               <a:rPr lang="en-US" smtClean="0"/>
               <a:pPr/>
-              <a:t>1/18/2023</a:t>
+              <a:t>5/16/2023</a:t>
             </a:fld>
             <a:endParaRPr lang="en-US"/>
           </a:p>
@@ -1955,7 +1956,7 @@
             <a:fld id="{4C505C6D-B604-4DBD-8A01-29BB8EAD2EC3}" type="datetimeFigureOut">
               <a:rPr lang="en-US" smtClean="0"/>
               <a:pPr/>
-              <a:t>1/18/2023</a:t>
+              <a:t>5/16/2023</a:t>
             </a:fld>
             <a:endParaRPr lang="en-US"/>
           </a:p>
@@ -2403,7 +2404,7 @@
             <a:fld id="{4C505C6D-B604-4DBD-8A01-29BB8EAD2EC3}" type="datetimeFigureOut">
               <a:rPr lang="en-US" smtClean="0"/>
               <a:pPr/>
-              <a:t>1/18/2023</a:t>
+              <a:t>5/16/2023</a:t>
             </a:fld>
             <a:endParaRPr lang="en-US"/>
           </a:p>
@@ -2506,7 +2507,7 @@
             <a:fld id="{4C505C6D-B604-4DBD-8A01-29BB8EAD2EC3}" type="datetimeFigureOut">
               <a:rPr lang="en-US" smtClean="0"/>
               <a:pPr/>
-              <a:t>1/18/2023</a:t>
+              <a:t>5/16/2023</a:t>
             </a:fld>
             <a:endParaRPr lang="en-US"/>
           </a:p>
@@ -2629,7 +2630,7 @@
             <a:fld id="{4C505C6D-B604-4DBD-8A01-29BB8EAD2EC3}" type="datetimeFigureOut">
               <a:rPr lang="en-US" smtClean="0"/>
               <a:pPr/>
-              <a:t>1/18/2023</a:t>
+              <a:t>5/16/2023</a:t>
             </a:fld>
             <a:endParaRPr lang="en-US"/>
           </a:p>
@@ -2905,7 +2906,7 @@
             <a:fld id="{4C505C6D-B604-4DBD-8A01-29BB8EAD2EC3}" type="datetimeFigureOut">
               <a:rPr lang="en-US" smtClean="0"/>
               <a:pPr/>
-              <a:t>1/18/2023</a:t>
+              <a:t>5/16/2023</a:t>
             </a:fld>
             <a:endParaRPr lang="en-US"/>
           </a:p>
@@ -3112,7 +3113,7 @@
             <a:fld id="{4C505C6D-B604-4DBD-8A01-29BB8EAD2EC3}" type="datetimeFigureOut">
               <a:rPr lang="en-US" smtClean="0"/>
               <a:pPr/>
-              <a:t>1/18/2023</a:t>
+              <a:t>5/16/2023</a:t>
             </a:fld>
             <a:endParaRPr lang="en-US"/>
           </a:p>
@@ -4223,7 +4224,7 @@
             <a:fld id="{4C505C6D-B604-4DBD-8A01-29BB8EAD2EC3}" type="datetimeFigureOut">
               <a:rPr lang="en-US" smtClean="0"/>
               <a:pPr/>
-              <a:t>1/18/2023</a:t>
+              <a:t>5/16/2023</a:t>
             </a:fld>
             <a:endParaRPr lang="en-US"/>
           </a:p>
@@ -4825,14 +4826,7 @@
                 <a:latin typeface="Times New Roman" pitchFamily="18" charset="0"/>
                 <a:cs typeface="Times New Roman" pitchFamily="18" charset="0"/>
               </a:rPr>
-              <a:t>           [ME18B074</a:t>
-            </a:r>
-            <a:r>
-              <a:rPr lang="en-US" b="1" dirty="0" smtClean="0">
-                <a:latin typeface="Times New Roman" pitchFamily="18" charset="0"/>
-                <a:cs typeface="Times New Roman" pitchFamily="18" charset="0"/>
-              </a:rPr>
-              <a:t>]</a:t>
+              <a:t>           [ME18B074]</a:t>
             </a:r>
           </a:p>
           <a:p>
@@ -9011,28 +9005,7 @@
                 <a:latin typeface="Times New Roman" pitchFamily="18" charset="0"/>
                 <a:cs typeface="Times New Roman" pitchFamily="18" charset="0"/>
               </a:rPr>
-              <a:t>– </a:t>
-            </a:r>
-            <a:r>
-              <a:rPr lang="en-IN" dirty="0" smtClean="0">
-                <a:latin typeface="Times New Roman" pitchFamily="18" charset="0"/>
-                <a:cs typeface="Times New Roman" pitchFamily="18" charset="0"/>
-              </a:rPr>
-              <a:t>Finish till </a:t>
-            </a:r>
-            <a:r>
-              <a:rPr lang="en-IN" dirty="0" smtClean="0">
-                <a:latin typeface="Times New Roman" pitchFamily="18" charset="0"/>
-                <a:cs typeface="Times New Roman" pitchFamily="18" charset="0"/>
-              </a:rPr>
-              <a:t>Elliptical </a:t>
-            </a:r>
-            <a:r>
-              <a:rPr lang="en-IN" dirty="0" smtClean="0">
-                <a:latin typeface="Times New Roman" pitchFamily="18" charset="0"/>
-                <a:cs typeface="Times New Roman" pitchFamily="18" charset="0"/>
-              </a:rPr>
-              <a:t>approximation</a:t>
+              <a:t>– Finish till Elliptical approximation</a:t>
             </a:r>
             <a:endParaRPr lang="en-US" dirty="0" smtClean="0">
               <a:latin typeface="Times New Roman" pitchFamily="18" charset="0"/>
@@ -9187,6 +9160,258 @@
 </file>
 
 <file path=ppt/slides/slide18.xml><?xml version="1.0" encoding="utf-8"?>
+<p:sld xmlns:a="http://schemas.openxmlformats.org/drawingml/2006/main" xmlns:r="http://schemas.openxmlformats.org/officeDocument/2006/relationships" xmlns:p="http://schemas.openxmlformats.org/presentationml/2006/main">
+  <p:cSld>
+    <p:spTree>
+      <p:nvGrpSpPr>
+        <p:cNvPr id="1" name=""/>
+        <p:cNvGrpSpPr/>
+        <p:nvPr/>
+      </p:nvGrpSpPr>
+      <p:grpSpPr>
+        <a:xfrm>
+          <a:off x="0" y="0"/>
+          <a:ext cx="0" cy="0"/>
+          <a:chOff x="0" y="0"/>
+          <a:chExt cx="0" cy="0"/>
+        </a:xfrm>
+      </p:grpSpPr>
+      <p:sp>
+        <p:nvSpPr>
+          <p:cNvPr id="3" name="Title 2"/>
+          <p:cNvSpPr>
+            <a:spLocks noGrp="1"/>
+          </p:cNvSpPr>
+          <p:nvPr>
+            <p:ph type="title"/>
+          </p:nvPr>
+        </p:nvSpPr>
+        <p:spPr/>
+        <p:txBody>
+          <a:bodyPr/>
+          <a:lstStyle/>
+          <a:p>
+            <a:endParaRPr lang="en-US"/>
+          </a:p>
+        </p:txBody>
+      </p:sp>
+      <p:grpSp>
+        <p:nvGrpSpPr>
+          <p:cNvPr id="4" name="Content Placeholder 3"/>
+          <p:cNvGrpSpPr>
+            <a:grpSpLocks noGrp="1"/>
+          </p:cNvGrpSpPr>
+          <p:nvPr>
+            <p:ph idx="1"/>
+          </p:nvPr>
+        </p:nvGrpSpPr>
+        <p:grpSpPr>
+          <a:xfrm>
+            <a:off x="457200" y="1481138"/>
+            <a:ext cx="8229600" cy="4525962"/>
+            <a:chOff x="1311241" y="2501100"/>
+            <a:chExt cx="8450974" cy="3798356"/>
+          </a:xfrm>
+        </p:grpSpPr>
+        <p:pic>
+          <p:nvPicPr>
+            <p:cNvPr id="5" name="Picture 2"/>
+            <p:cNvPicPr>
+              <a:picLocks noChangeAspect="1" noChangeArrowheads="1"/>
+            </p:cNvPicPr>
+            <p:nvPr/>
+          </p:nvPicPr>
+          <p:blipFill>
+            <a:blip r:embed="rId2"/>
+            <a:srcRect/>
+            <a:stretch>
+              <a:fillRect/>
+            </a:stretch>
+          </p:blipFill>
+          <p:spPr bwMode="auto">
+            <a:xfrm>
+              <a:off x="1311241" y="2501100"/>
+              <a:ext cx="2105742" cy="3490121"/>
+            </a:xfrm>
+            <a:prstGeom prst="rect">
+              <a:avLst/>
+            </a:prstGeom>
+            <a:noFill/>
+            <a:ln w="9525">
+              <a:noFill/>
+              <a:miter lim="800000"/>
+              <a:headEnd/>
+              <a:tailEnd/>
+            </a:ln>
+            <a:effectLst/>
+          </p:spPr>
+        </p:pic>
+        <p:pic>
+          <p:nvPicPr>
+            <p:cNvPr id="6" name="Picture 3"/>
+            <p:cNvPicPr>
+              <a:picLocks noChangeAspect="1" noChangeArrowheads="1"/>
+            </p:cNvPicPr>
+            <p:nvPr/>
+          </p:nvPicPr>
+          <p:blipFill>
+            <a:blip r:embed="rId3"/>
+            <a:srcRect/>
+            <a:stretch>
+              <a:fillRect/>
+            </a:stretch>
+          </p:blipFill>
+          <p:spPr bwMode="auto">
+            <a:xfrm>
+              <a:off x="3883009" y="2501100"/>
+              <a:ext cx="2714967" cy="3500461"/>
+            </a:xfrm>
+            <a:prstGeom prst="rect">
+              <a:avLst/>
+            </a:prstGeom>
+            <a:noFill/>
+            <a:ln w="9525">
+              <a:noFill/>
+              <a:miter lim="800000"/>
+              <a:headEnd/>
+              <a:tailEnd/>
+            </a:ln>
+            <a:effectLst/>
+          </p:spPr>
+        </p:pic>
+        <p:pic>
+          <p:nvPicPr>
+            <p:cNvPr id="7" name="Picture 4"/>
+            <p:cNvPicPr>
+              <a:picLocks noChangeAspect="1" noChangeArrowheads="1"/>
+            </p:cNvPicPr>
+            <p:nvPr/>
+          </p:nvPicPr>
+          <p:blipFill>
+            <a:blip r:embed="rId4"/>
+            <a:srcRect/>
+            <a:stretch>
+              <a:fillRect/>
+            </a:stretch>
+          </p:blipFill>
+          <p:spPr bwMode="auto">
+            <a:xfrm>
+              <a:off x="7097719" y="2501100"/>
+              <a:ext cx="2456177" cy="3643338"/>
+            </a:xfrm>
+            <a:prstGeom prst="rect">
+              <a:avLst/>
+            </a:prstGeom>
+            <a:noFill/>
+            <a:ln w="9525">
+              <a:noFill/>
+              <a:miter lim="800000"/>
+              <a:headEnd/>
+              <a:tailEnd/>
+            </a:ln>
+            <a:effectLst/>
+          </p:spPr>
+        </p:pic>
+        <p:sp>
+          <p:nvSpPr>
+            <p:cNvPr id="8" name="TextBox 7"/>
+            <p:cNvSpPr txBox="1"/>
+            <p:nvPr/>
+          </p:nvSpPr>
+          <p:spPr>
+            <a:xfrm>
+              <a:off x="1668431" y="5930124"/>
+              <a:ext cx="1493742" cy="369332"/>
+            </a:xfrm>
+            <a:prstGeom prst="rect">
+              <a:avLst/>
+            </a:prstGeom>
+            <a:noFill/>
+          </p:spPr>
+          <p:txBody>
+            <a:bodyPr wrap="none" rtlCol="0">
+              <a:spAutoFit/>
+            </a:bodyPr>
+            <a:lstStyle/>
+            <a:p>
+              <a:r>
+                <a:rPr lang="en-US" sz="1800" b="1" dirty="0" smtClean="0"/>
+                <a:t>Wall Follower</a:t>
+              </a:r>
+              <a:endParaRPr lang="en-US" sz="1800" b="1" dirty="0"/>
+            </a:p>
+          </p:txBody>
+        </p:sp>
+        <p:sp>
+          <p:nvSpPr>
+            <p:cNvPr id="9" name="TextBox 8"/>
+            <p:cNvSpPr txBox="1"/>
+            <p:nvPr/>
+          </p:nvSpPr>
+          <p:spPr>
+            <a:xfrm>
+              <a:off x="4025885" y="5930124"/>
+              <a:ext cx="2343142" cy="369332"/>
+            </a:xfrm>
+            <a:prstGeom prst="rect">
+              <a:avLst/>
+            </a:prstGeom>
+            <a:noFill/>
+          </p:spPr>
+          <p:txBody>
+            <a:bodyPr wrap="none" rtlCol="0">
+              <a:spAutoFit/>
+            </a:bodyPr>
+            <a:lstStyle/>
+            <a:p>
+              <a:r>
+                <a:rPr lang="en-US" sz="1800" b="1" dirty="0" smtClean="0"/>
+                <a:t>Distance maximization</a:t>
+              </a:r>
+              <a:endParaRPr lang="en-US" sz="1800" b="1" dirty="0"/>
+            </a:p>
+          </p:txBody>
+        </p:sp>
+        <p:sp>
+          <p:nvSpPr>
+            <p:cNvPr id="10" name="TextBox 9"/>
+            <p:cNvSpPr txBox="1"/>
+            <p:nvPr/>
+          </p:nvSpPr>
+          <p:spPr>
+            <a:xfrm>
+              <a:off x="6954843" y="5930124"/>
+              <a:ext cx="2807372" cy="369332"/>
+            </a:xfrm>
+            <a:prstGeom prst="rect">
+              <a:avLst/>
+            </a:prstGeom>
+            <a:noFill/>
+          </p:spPr>
+          <p:txBody>
+            <a:bodyPr wrap="none" rtlCol="0">
+              <a:spAutoFit/>
+            </a:bodyPr>
+            <a:lstStyle/>
+            <a:p>
+              <a:r>
+                <a:rPr lang="en-US" sz="1800" b="1" dirty="0" smtClean="0"/>
+                <a:t>Longest uninterrupted path</a:t>
+              </a:r>
+              <a:endParaRPr lang="en-US" sz="1800" b="1" dirty="0"/>
+            </a:p>
+          </p:txBody>
+        </p:sp>
+      </p:grpSp>
+    </p:spTree>
+  </p:cSld>
+  <p:clrMapOvr>
+    <a:masterClrMapping/>
+  </p:clrMapOvr>
+</p:sld>
+</file>
+
+<file path=ppt/slides/slide19.xml><?xml version="1.0" encoding="utf-8"?>
 <p:sld xmlns:a="http://schemas.openxmlformats.org/drawingml/2006/main" xmlns:r="http://schemas.openxmlformats.org/officeDocument/2006/relationships" xmlns:p="http://schemas.openxmlformats.org/presentationml/2006/main">
   <p:cSld>
     <p:spTree>
@@ -16398,75 +16623,118 @@
           <a:chExt cx="0" cy="0"/>
         </a:xfrm>
       </p:grpSpPr>
+      <p:sp>
+        <p:nvSpPr>
+          <p:cNvPr id="3" name="Title 2"/>
+          <p:cNvSpPr>
+            <a:spLocks noGrp="1"/>
+          </p:cNvSpPr>
+          <p:nvPr>
+            <p:ph type="title"/>
+          </p:nvPr>
+        </p:nvSpPr>
+        <p:spPr/>
+        <p:txBody>
+          <a:bodyPr>
+            <a:normAutofit fontScale="90000"/>
+          </a:bodyPr>
+          <a:lstStyle/>
+          <a:p>
+            <a:r>
+              <a:rPr lang="en-US" dirty="0" smtClean="0">
+                <a:effectLst/>
+                <a:latin typeface="Times New Roman" pitchFamily="18" charset="0"/>
+                <a:cs typeface="Times New Roman" pitchFamily="18" charset="0"/>
+              </a:rPr>
+              <a:t>Checks to Identify Nearest Neighbours</a:t>
+            </a:r>
+            <a:endParaRPr lang="en-US" dirty="0">
+              <a:effectLst/>
+              <a:latin typeface="Times New Roman" pitchFamily="18" charset="0"/>
+              <a:cs typeface="Times New Roman" pitchFamily="18" charset="0"/>
+            </a:endParaRPr>
+          </a:p>
+        </p:txBody>
+      </p:sp>
       <p:pic>
         <p:nvPicPr>
-          <p:cNvPr id="35" name="Picture 4"/>
+          <p:cNvPr id="37" name="Picture 36" descr="IITM-Logo-copy (2).png"/>
           <p:cNvPicPr>
-            <a:picLocks noChangeAspect="1" noChangeArrowheads="1"/>
+            <a:picLocks noChangeAspect="1"/>
           </p:cNvPicPr>
           <p:nvPr/>
         </p:nvPicPr>
         <p:blipFill>
-          <a:blip r:embed="rId2"/>
-          <a:srcRect/>
+          <a:blip r:embed="rId2" cstate="print"/>
           <a:stretch>
             <a:fillRect/>
           </a:stretch>
         </p:blipFill>
-        <p:spPr bwMode="auto">
+        <p:spPr>
           <a:xfrm>
-            <a:off x="2071670" y="1142984"/>
-            <a:ext cx="5092700" cy="5327650"/>
+            <a:off x="71406" y="6072206"/>
+            <a:ext cx="714380" cy="714380"/>
           </a:xfrm>
           <a:prstGeom prst="rect">
             <a:avLst/>
           </a:prstGeom>
-          <a:noFill/>
-          <a:ln w="9525">
-            <a:noFill/>
-            <a:miter lim="800000"/>
-            <a:headEnd/>
-            <a:tailEnd/>
-          </a:ln>
-          <a:effectLst/>
+          <a:blipFill>
+            <a:blip r:embed="rId3"/>
+            <a:stretch>
+              <a:fillRect/>
+            </a:stretch>
+          </a:blipFill>
         </p:spPr>
       </p:pic>
-      <p:pic>
-        <p:nvPicPr>
-          <p:cNvPr id="34" name="Picture 3"/>
-          <p:cNvPicPr>
-            <a:picLocks noChangeAspect="1" noChangeArrowheads="1"/>
-          </p:cNvPicPr>
+      <p:sp>
+        <p:nvSpPr>
+          <p:cNvPr id="38" name="Rectangle 37"/>
+          <p:cNvSpPr/>
           <p:nvPr/>
-        </p:nvPicPr>
-        <p:blipFill>
-          <a:blip r:embed="rId3"/>
-          <a:srcRect/>
-          <a:stretch>
-            <a:fillRect/>
-          </a:stretch>
-        </p:blipFill>
-        <p:spPr bwMode="auto">
+        </p:nvSpPr>
+        <p:spPr>
           <a:xfrm>
-            <a:off x="2071670" y="1170000"/>
-            <a:ext cx="5092700" cy="5327650"/>
+            <a:off x="0" y="0"/>
+            <a:ext cx="9358346" cy="7000900"/>
           </a:xfrm>
           <a:prstGeom prst="rect">
             <a:avLst/>
           </a:prstGeom>
-          <a:noFill/>
-          <a:ln w="9525">
+          <a:solidFill>
+            <a:schemeClr val="bg1"/>
+          </a:solidFill>
+          <a:ln>
             <a:noFill/>
-            <a:miter lim="800000"/>
-            <a:headEnd/>
-            <a:tailEnd/>
           </a:ln>
-          <a:effectLst/>
-        </p:spPr>
-      </p:pic>
+        </p:spPr>
+        <p:style>
+          <a:lnRef idx="2">
+            <a:schemeClr val="accent1">
+              <a:shade val="50000"/>
+            </a:schemeClr>
+          </a:lnRef>
+          <a:fillRef idx="1">
+            <a:schemeClr val="accent1"/>
+          </a:fillRef>
+          <a:effectRef idx="0">
+            <a:schemeClr val="accent1"/>
+          </a:effectRef>
+          <a:fontRef idx="minor">
+            <a:schemeClr val="lt1"/>
+          </a:fontRef>
+        </p:style>
+        <p:txBody>
+          <a:bodyPr rtlCol="0" anchor="ctr"/>
+          <a:lstStyle/>
+          <a:p>
+            <a:pPr algn="ctr"/>
+            <a:endParaRPr lang="en-US"/>
+          </a:p>
+        </p:txBody>
+      </p:sp>
       <p:pic>
         <p:nvPicPr>
-          <p:cNvPr id="33" name="Picture 2"/>
+          <p:cNvPr id="35" name="Picture 4"/>
           <p:cNvPicPr>
             <a:picLocks noChangeAspect="1" noChangeArrowheads="1"/>
           </p:cNvPicPr>
@@ -16499,6 +16767,72 @@
       </p:pic>
       <p:pic>
         <p:nvPicPr>
+          <p:cNvPr id="34" name="Picture 3"/>
+          <p:cNvPicPr>
+            <a:picLocks noChangeAspect="1" noChangeArrowheads="1"/>
+          </p:cNvPicPr>
+          <p:nvPr/>
+        </p:nvPicPr>
+        <p:blipFill>
+          <a:blip r:embed="rId5"/>
+          <a:srcRect/>
+          <a:stretch>
+            <a:fillRect/>
+          </a:stretch>
+        </p:blipFill>
+        <p:spPr bwMode="auto">
+          <a:xfrm>
+            <a:off x="2071670" y="1170000"/>
+            <a:ext cx="5092700" cy="5327650"/>
+          </a:xfrm>
+          <a:prstGeom prst="rect">
+            <a:avLst/>
+          </a:prstGeom>
+          <a:noFill/>
+          <a:ln w="9525">
+            <a:noFill/>
+            <a:miter lim="800000"/>
+            <a:headEnd/>
+            <a:tailEnd/>
+          </a:ln>
+          <a:effectLst/>
+        </p:spPr>
+      </p:pic>
+      <p:pic>
+        <p:nvPicPr>
+          <p:cNvPr id="33" name="Picture 2"/>
+          <p:cNvPicPr>
+            <a:picLocks noChangeAspect="1" noChangeArrowheads="1"/>
+          </p:cNvPicPr>
+          <p:nvPr/>
+        </p:nvPicPr>
+        <p:blipFill>
+          <a:blip r:embed="rId6"/>
+          <a:srcRect/>
+          <a:stretch>
+            <a:fillRect/>
+          </a:stretch>
+        </p:blipFill>
+        <p:spPr bwMode="auto">
+          <a:xfrm>
+            <a:off x="2071670" y="1142984"/>
+            <a:ext cx="5092700" cy="5327650"/>
+          </a:xfrm>
+          <a:prstGeom prst="rect">
+            <a:avLst/>
+          </a:prstGeom>
+          <a:noFill/>
+          <a:ln w="9525">
+            <a:noFill/>
+            <a:miter lim="800000"/>
+            <a:headEnd/>
+            <a:tailEnd/>
+          </a:ln>
+          <a:effectLst/>
+        </p:spPr>
+      </p:pic>
+      <p:pic>
+        <p:nvPicPr>
           <p:cNvPr id="5" name="Picture 2"/>
           <p:cNvPicPr>
             <a:picLocks noChangeAspect="1" noChangeArrowheads="1"/>
@@ -16506,7 +16840,7 @@
           <p:nvPr/>
         </p:nvPicPr>
         <p:blipFill>
-          <a:blip r:embed="rId5">
+          <a:blip r:embed="rId7">
             <a:extLst>
               <a:ext uri="{28A0092B-C50C-407E-A947-70E740481C1C}">
                 <a14:useLocalDpi xmlns="" xmlns:a14="http://schemas.microsoft.com/office/drawing/2010/main" val="0"/>
@@ -16599,39 +16933,6 @@
       </p:sp>
       <p:sp>
         <p:nvSpPr>
-          <p:cNvPr id="3" name="Title 2"/>
-          <p:cNvSpPr>
-            <a:spLocks noGrp="1"/>
-          </p:cNvSpPr>
-          <p:nvPr>
-            <p:ph type="title"/>
-          </p:nvPr>
-        </p:nvSpPr>
-        <p:spPr/>
-        <p:txBody>
-          <a:bodyPr>
-            <a:normAutofit fontScale="90000"/>
-          </a:bodyPr>
-          <a:lstStyle/>
-          <a:p>
-            <a:r>
-              <a:rPr lang="en-US" dirty="0" smtClean="0">
-                <a:effectLst/>
-                <a:latin typeface="Times New Roman" pitchFamily="18" charset="0"/>
-                <a:cs typeface="Times New Roman" pitchFamily="18" charset="0"/>
-              </a:rPr>
-              <a:t>Checks to Identify Nearest Neighbours</a:t>
-            </a:r>
-            <a:endParaRPr lang="en-US" dirty="0">
-              <a:effectLst/>
-              <a:latin typeface="Times New Roman" pitchFamily="18" charset="0"/>
-              <a:cs typeface="Times New Roman" pitchFamily="18" charset="0"/>
-            </a:endParaRPr>
-          </a:p>
-        </p:txBody>
-      </p:sp>
-      <p:sp>
-        <p:nvSpPr>
           <p:cNvPr id="6" name="Oval 5"/>
           <p:cNvSpPr/>
           <p:nvPr/>
@@ -16733,13 +17034,6 @@
               </a:rPr>
               <a:t>3</a:t>
             </a:r>
-            <a:endParaRPr lang="en-IN" sz="1600" b="1" dirty="0">
-              <a:solidFill>
-                <a:schemeClr val="tx1"/>
-              </a:solidFill>
-              <a:latin typeface="Times New Roman" pitchFamily="18" charset="0"/>
-              <a:cs typeface="Times New Roman" pitchFamily="18" charset="0"/>
-            </a:endParaRPr>
           </a:p>
         </p:txBody>
       </p:sp>
@@ -16793,13 +17087,6 @@
               </a:rPr>
               <a:t>5</a:t>
             </a:r>
-            <a:endParaRPr lang="en-IN" sz="1600" b="1" dirty="0">
-              <a:solidFill>
-                <a:schemeClr val="tx1"/>
-              </a:solidFill>
-              <a:latin typeface="Times New Roman" pitchFamily="18" charset="0"/>
-              <a:cs typeface="Times New Roman" pitchFamily="18" charset="0"/>
-            </a:endParaRPr>
           </a:p>
         </p:txBody>
       </p:sp>
@@ -16853,13 +17140,6 @@
               </a:rPr>
               <a:t>9</a:t>
             </a:r>
-            <a:endParaRPr lang="en-IN" b="1" dirty="0">
-              <a:solidFill>
-                <a:schemeClr val="tx1"/>
-              </a:solidFill>
-              <a:latin typeface="Times New Roman" pitchFamily="18" charset="0"/>
-              <a:cs typeface="Times New Roman" pitchFamily="18" charset="0"/>
-            </a:endParaRPr>
           </a:p>
         </p:txBody>
       </p:sp>
@@ -16913,13 +17193,6 @@
               </a:rPr>
               <a:t>8</a:t>
             </a:r>
-            <a:endParaRPr lang="en-IN" sz="1600" b="1" dirty="0">
-              <a:solidFill>
-                <a:schemeClr val="tx1"/>
-              </a:solidFill>
-              <a:latin typeface="Times New Roman" pitchFamily="18" charset="0"/>
-              <a:cs typeface="Times New Roman" pitchFamily="18" charset="0"/>
-            </a:endParaRPr>
           </a:p>
         </p:txBody>
       </p:sp>
@@ -16973,13 +17246,6 @@
               </a:rPr>
               <a:t>6</a:t>
             </a:r>
-            <a:endParaRPr lang="en-IN" sz="1600" b="1" dirty="0">
-              <a:solidFill>
-                <a:schemeClr val="tx1"/>
-              </a:solidFill>
-              <a:latin typeface="Times New Roman" pitchFamily="18" charset="0"/>
-              <a:cs typeface="Times New Roman" pitchFamily="18" charset="0"/>
-            </a:endParaRPr>
           </a:p>
         </p:txBody>
       </p:sp>
@@ -17033,13 +17299,6 @@
               </a:rPr>
               <a:t>7</a:t>
             </a:r>
-            <a:endParaRPr lang="en-IN" sz="1600" b="1" dirty="0">
-              <a:solidFill>
-                <a:schemeClr val="tx1"/>
-              </a:solidFill>
-              <a:latin typeface="Times New Roman" pitchFamily="18" charset="0"/>
-              <a:cs typeface="Times New Roman" pitchFamily="18" charset="0"/>
-            </a:endParaRPr>
           </a:p>
         </p:txBody>
       </p:sp>
@@ -17093,13 +17352,6 @@
               </a:rPr>
               <a:t>4</a:t>
             </a:r>
-            <a:endParaRPr lang="en-IN" sz="1600" b="1" dirty="0">
-              <a:solidFill>
-                <a:schemeClr val="tx1"/>
-              </a:solidFill>
-              <a:latin typeface="Times New Roman" pitchFamily="18" charset="0"/>
-              <a:cs typeface="Times New Roman" pitchFamily="18" charset="0"/>
-            </a:endParaRPr>
           </a:p>
         </p:txBody>
       </p:sp>
@@ -17681,36 +17933,6 @@
           </a:p>
         </p:txBody>
       </p:sp>
-      <p:pic>
-        <p:nvPicPr>
-          <p:cNvPr id="37" name="Picture 36" descr="IITM-Logo-copy (2).png"/>
-          <p:cNvPicPr>
-            <a:picLocks noChangeAspect="1"/>
-          </p:cNvPicPr>
-          <p:nvPr/>
-        </p:nvPicPr>
-        <p:blipFill>
-          <a:blip r:embed="rId6" cstate="print"/>
-          <a:stretch>
-            <a:fillRect/>
-          </a:stretch>
-        </p:blipFill>
-        <p:spPr>
-          <a:xfrm>
-            <a:off x="71406" y="6072206"/>
-            <a:ext cx="714380" cy="714380"/>
-          </a:xfrm>
-          <a:prstGeom prst="rect">
-            <a:avLst/>
-          </a:prstGeom>
-          <a:blipFill>
-            <a:blip r:embed="rId7"/>
-            <a:stretch>
-              <a:fillRect/>
-            </a:stretch>
-          </a:blipFill>
-        </p:spPr>
-      </p:pic>
     </p:spTree>
   </p:cSld>
   <p:clrMapOvr>
